--- a/PPT课件/Part6-25：DDD实战-领域模型的实现.pptx
+++ b/PPT课件/Part6-25：DDD实战-领域模型的实现.pptx
@@ -203,7 +203,7 @@
           <a:p>
             <a:fld id="{0A2FCA5F-0AB4-4B27-9880-843A32CD3FC4}" type="datetimeFigureOut">
               <a:rPr lang="zh-CN" altLang="en-US" smtClean="0"/>
-              <a:t>2022/2/19</a:t>
+              <a:t>2022/3/1</a:t>
             </a:fld>
             <a:endParaRPr lang="zh-CN" altLang="en-US"/>
           </a:p>
@@ -687,7 +687,7 @@
           <a:p>
             <a:fld id="{51EE646F-F65C-4115-9CFB-3F24605268F9}" type="datetimeFigureOut">
               <a:rPr lang="zh-CN" altLang="en-US" smtClean="0"/>
-              <a:t>2022/2/19</a:t>
+              <a:t>2022/3/1</a:t>
             </a:fld>
             <a:endParaRPr lang="zh-CN" altLang="en-US"/>
           </a:p>
@@ -974,7 +974,7 @@
           <a:p>
             <a:fld id="{51EE646F-F65C-4115-9CFB-3F24605268F9}" type="datetimeFigureOut">
               <a:rPr lang="zh-CN" altLang="en-US" smtClean="0"/>
-              <a:t>2022/2/19</a:t>
+              <a:t>2022/3/1</a:t>
             </a:fld>
             <a:endParaRPr lang="zh-CN" altLang="en-US"/>
           </a:p>
@@ -1166,7 +1166,7 @@
           <a:p>
             <a:fld id="{51EE646F-F65C-4115-9CFB-3F24605268F9}" type="datetimeFigureOut">
               <a:rPr lang="zh-CN" altLang="en-US" smtClean="0"/>
-              <a:t>2022/2/19</a:t>
+              <a:t>2022/3/1</a:t>
             </a:fld>
             <a:endParaRPr lang="zh-CN" altLang="en-US"/>
           </a:p>
@@ -1427,7 +1427,7 @@
           <a:p>
             <a:fld id="{51EE646F-F65C-4115-9CFB-3F24605268F9}" type="datetimeFigureOut">
               <a:rPr lang="zh-CN" altLang="en-US" smtClean="0"/>
-              <a:t>2022/2/19</a:t>
+              <a:t>2022/3/1</a:t>
             </a:fld>
             <a:endParaRPr lang="zh-CN" altLang="en-US"/>
           </a:p>
@@ -1851,7 +1851,7 @@
           <a:p>
             <a:fld id="{51EE646F-F65C-4115-9CFB-3F24605268F9}" type="datetimeFigureOut">
               <a:rPr lang="zh-CN" altLang="en-US" smtClean="0"/>
-              <a:t>2022/2/19</a:t>
+              <a:t>2022/3/1</a:t>
             </a:fld>
             <a:endParaRPr lang="zh-CN" altLang="en-US"/>
           </a:p>
@@ -2397,7 +2397,7 @@
           <a:p>
             <a:fld id="{51EE646F-F65C-4115-9CFB-3F24605268F9}" type="datetimeFigureOut">
               <a:rPr lang="zh-CN" altLang="en-US" smtClean="0"/>
-              <a:t>2022/2/19</a:t>
+              <a:t>2022/3/1</a:t>
             </a:fld>
             <a:endParaRPr lang="zh-CN" altLang="en-US"/>
           </a:p>
@@ -3237,7 +3237,7 @@
           <a:p>
             <a:fld id="{51EE646F-F65C-4115-9CFB-3F24605268F9}" type="datetimeFigureOut">
               <a:rPr lang="zh-CN" altLang="en-US" smtClean="0"/>
-              <a:t>2022/2/19</a:t>
+              <a:t>2022/3/1</a:t>
             </a:fld>
             <a:endParaRPr lang="zh-CN" altLang="en-US"/>
           </a:p>
@@ -3407,7 +3407,7 @@
           <a:p>
             <a:fld id="{51EE646F-F65C-4115-9CFB-3F24605268F9}" type="datetimeFigureOut">
               <a:rPr lang="zh-CN" altLang="en-US" smtClean="0"/>
-              <a:t>2022/2/19</a:t>
+              <a:t>2022/3/1</a:t>
             </a:fld>
             <a:endParaRPr lang="zh-CN" altLang="en-US"/>
           </a:p>
@@ -3591,7 +3591,7 @@
           <a:p>
             <a:fld id="{51EE646F-F65C-4115-9CFB-3F24605268F9}" type="datetimeFigureOut">
               <a:rPr lang="zh-CN" altLang="en-US" smtClean="0"/>
-              <a:t>2022/2/19</a:t>
+              <a:t>2022/3/1</a:t>
             </a:fld>
             <a:endParaRPr lang="zh-CN" altLang="en-US"/>
           </a:p>
@@ -3761,7 +3761,7 @@
           <a:p>
             <a:fld id="{51EE646F-F65C-4115-9CFB-3F24605268F9}" type="datetimeFigureOut">
               <a:rPr lang="zh-CN" altLang="en-US" smtClean="0"/>
-              <a:t>2022/2/19</a:t>
+              <a:t>2022/3/1</a:t>
             </a:fld>
             <a:endParaRPr lang="zh-CN" altLang="en-US"/>
           </a:p>
@@ -4009,7 +4009,7 @@
           <a:p>
             <a:fld id="{51EE646F-F65C-4115-9CFB-3F24605268F9}" type="datetimeFigureOut">
               <a:rPr lang="zh-CN" altLang="en-US" smtClean="0"/>
-              <a:t>2022/2/19</a:t>
+              <a:t>2022/3/1</a:t>
             </a:fld>
             <a:endParaRPr lang="zh-CN" altLang="en-US"/>
           </a:p>
@@ -4246,7 +4246,7 @@
           <a:p>
             <a:fld id="{51EE646F-F65C-4115-9CFB-3F24605268F9}" type="datetimeFigureOut">
               <a:rPr lang="zh-CN" altLang="en-US" smtClean="0"/>
-              <a:t>2022/2/19</a:t>
+              <a:t>2022/3/1</a:t>
             </a:fld>
             <a:endParaRPr lang="zh-CN" altLang="en-US"/>
           </a:p>
@@ -4619,7 +4619,7 @@
           <a:p>
             <a:fld id="{51EE646F-F65C-4115-9CFB-3F24605268F9}" type="datetimeFigureOut">
               <a:rPr lang="zh-CN" altLang="en-US" smtClean="0"/>
-              <a:t>2022/2/19</a:t>
+              <a:t>2022/3/1</a:t>
             </a:fld>
             <a:endParaRPr lang="zh-CN" altLang="en-US"/>
           </a:p>
@@ -4737,7 +4737,7 @@
           <a:p>
             <a:fld id="{51EE646F-F65C-4115-9CFB-3F24605268F9}" type="datetimeFigureOut">
               <a:rPr lang="zh-CN" altLang="en-US" smtClean="0"/>
-              <a:t>2022/2/19</a:t>
+              <a:t>2022/3/1</a:t>
             </a:fld>
             <a:endParaRPr lang="zh-CN" altLang="en-US"/>
           </a:p>
@@ -4832,7 +4832,7 @@
           <a:p>
             <a:fld id="{51EE646F-F65C-4115-9CFB-3F24605268F9}" type="datetimeFigureOut">
               <a:rPr lang="zh-CN" altLang="en-US" smtClean="0"/>
-              <a:t>2022/2/19</a:t>
+              <a:t>2022/3/1</a:t>
             </a:fld>
             <a:endParaRPr lang="zh-CN" altLang="en-US"/>
           </a:p>
@@ -5083,7 +5083,7 @@
           <a:p>
             <a:fld id="{51EE646F-F65C-4115-9CFB-3F24605268F9}" type="datetimeFigureOut">
               <a:rPr lang="zh-CN" altLang="en-US" smtClean="0"/>
-              <a:t>2022/2/19</a:t>
+              <a:t>2022/3/1</a:t>
             </a:fld>
             <a:endParaRPr lang="zh-CN" altLang="en-US"/>
           </a:p>
@@ -5370,7 +5370,7 @@
           <a:p>
             <a:fld id="{51EE646F-F65C-4115-9CFB-3F24605268F9}" type="datetimeFigureOut">
               <a:rPr lang="zh-CN" altLang="en-US" smtClean="0"/>
-              <a:t>2022/2/19</a:t>
+              <a:t>2022/3/1</a:t>
             </a:fld>
             <a:endParaRPr lang="zh-CN" altLang="en-US"/>
           </a:p>
@@ -5583,7 +5583,7 @@
           <a:p>
             <a:fld id="{51EE646F-F65C-4115-9CFB-3F24605268F9}" type="datetimeFigureOut">
               <a:rPr lang="zh-CN" altLang="en-US" smtClean="0"/>
-              <a:t>2022/2/19</a:t>
+              <a:t>2022/3/1</a:t>
             </a:fld>
             <a:endParaRPr lang="zh-CN" altLang="en-US"/>
           </a:p>
@@ -6289,7 +6289,19 @@
             </a:r>
             <a:r>
               <a:rPr lang="zh-CN" altLang="en-US" sz="3200" dirty="0"/>
-              <a:t>）实体类；</a:t>
+              <a:t>）实体类。没有基于</a:t>
+            </a:r>
+            <a:r>
+              <a:rPr lang="en-US" altLang="zh-CN" sz="3200" dirty="0"/>
+              <a:t>Identity</a:t>
+            </a:r>
+            <a:r>
+              <a:rPr lang="zh-CN" altLang="en-US" sz="3200" dirty="0"/>
+              <a:t>框架，因为</a:t>
+            </a:r>
+            <a:r>
+              <a:rPr lang="en-US" altLang="zh-CN" sz="3200"/>
+              <a:t>……</a:t>
             </a:r>
             <a:endParaRPr lang="en-US" altLang="zh-CN" sz="3200" dirty="0"/>
           </a:p>
@@ -6444,7 +6456,7 @@
               <a:t>DbContext</a:t>
             </a:r>
             <a:r>
-              <a:rPr lang="zh-CN" altLang="en-US" sz="3200"/>
+              <a:rPr lang="zh-CN" altLang="en-US" sz="3200" dirty="0"/>
               <a:t>要定义到基础设施层。</a:t>
             </a:r>
             <a:endParaRPr lang="en-US" altLang="zh-CN" sz="3200" dirty="0"/>
